--- a/slides/11_dimensionality_reduction_and_clustering.pptx
+++ b/slides/11_dimensionality_reduction_and_clustering.pptx
@@ -262,7 +262,7 @@
           <a:p>
             <a:fld id="{DB92F479-4B50-F243-9713-1B12EC2B4BDB}" type="datetimeFigureOut">
               <a:rPr lang="en-US" smtClean="0"/>
-              <a:t>2/17/15</a:t>
+              <a:t>2/24/15</a:t>
             </a:fld>
             <a:endParaRPr lang="en-US"/>
           </a:p>
@@ -1431,17 +1431,7 @@
                 <a:latin typeface="ArialMT"/>
                 <a:sym typeface="Wingdings"/>
               </a:rPr>
-              <a:t> </a:t>
-            </a:r>
-            <a:r>
-              <a:rPr lang="en-US" sz="1200" baseline="0" dirty="0" smtClean="0">
-                <a:solidFill>
-                  <a:prstClr val="black"/>
-                </a:solidFill>
-                <a:latin typeface="ArialMT"/>
-                <a:sym typeface="Wingdings"/>
-              </a:rPr>
-              <a:t>your </a:t>
+              <a:t> your </a:t>
             </a:r>
             <a:r>
               <a:rPr lang="en-US" sz="1200" baseline="0" dirty="0" err="1" smtClean="0">
@@ -1463,13 +1453,6 @@
               </a:rPr>
               <a:t> will likely arbitrarily eliminate a subset of them.</a:t>
             </a:r>
-            <a:endParaRPr lang="en-US" sz="1200" baseline="0" dirty="0" smtClean="0">
-              <a:solidFill>
-                <a:prstClr val="black"/>
-              </a:solidFill>
-              <a:latin typeface="ArialMT"/>
-              <a:sym typeface="Wingdings"/>
-            </a:endParaRPr>
           </a:p>
         </p:txBody>
       </p:sp>
@@ -3206,13 +3189,6 @@
               </a:rPr>
               <a:t>Binned customer behavior data to find top customer clusters.</a:t>
             </a:r>
-            <a:endParaRPr lang="en-US" sz="1200" baseline="0" dirty="0" smtClean="0">
-              <a:solidFill>
-                <a:prstClr val="black"/>
-              </a:solidFill>
-              <a:latin typeface="ArialMT"/>
-              <a:sym typeface="Wingdings"/>
-            </a:endParaRPr>
           </a:p>
         </p:txBody>
       </p:sp>
@@ -3321,17 +3297,7 @@
                 <a:latin typeface="ArialMT"/>
                 <a:sym typeface="Wingdings"/>
               </a:rPr>
-              <a:t> </a:t>
-            </a:r>
-            <a:r>
-              <a:rPr lang="en-US" sz="1200" baseline="0" dirty="0" smtClean="0">
-                <a:solidFill>
-                  <a:prstClr val="black"/>
-                </a:solidFill>
-                <a:latin typeface="ArialMT"/>
-                <a:sym typeface="Wingdings"/>
-              </a:rPr>
-              <a:t>Say k-means is related to k-</a:t>
+              <a:t> Say k-means is related to k-</a:t>
             </a:r>
             <a:r>
               <a:rPr lang="en-US" sz="1200" baseline="0" dirty="0" err="1" smtClean="0">
@@ -3353,13 +3319,6 @@
               </a:rPr>
               <a:t>.</a:t>
             </a:r>
-            <a:endParaRPr lang="en-US" sz="1200" baseline="0" dirty="0" smtClean="0">
-              <a:solidFill>
-                <a:prstClr val="black"/>
-              </a:solidFill>
-              <a:latin typeface="ArialMT"/>
-              <a:sym typeface="Wingdings"/>
-            </a:endParaRPr>
           </a:p>
         </p:txBody>
       </p:sp>
@@ -11559,11 +11518,7 @@
             </a:br>
             <a:r>
               <a:rPr lang="en-US" sz="6000" dirty="0" smtClean="0"/>
-              <a:t>Class </a:t>
-            </a:r>
-            <a:r>
-              <a:rPr lang="en-US" sz="6000" dirty="0" smtClean="0"/>
-              <a:t>11:  clustering and dimensionality reduction</a:t>
+              <a:t>Class 11:  clustering and dimensionality reduction</a:t>
             </a:r>
             <a:endParaRPr lang="en-US" sz="6000" dirty="0"/>
           </a:p>
@@ -11791,7 +11746,6 @@
               <a:rPr lang="en-US" dirty="0" smtClean="0"/>
               <a:t>EM CLUSTERING</a:t>
             </a:r>
-            <a:endParaRPr lang="en-US" dirty="0" smtClean="0"/>
           </a:p>
         </p:txBody>
       </p:sp>
@@ -11946,7 +11900,6 @@
               <a:rPr lang="en-US" dirty="0" smtClean="0"/>
               <a:t>Hierarchical clustering</a:t>
             </a:r>
-            <a:endParaRPr lang="en-US" dirty="0" smtClean="0"/>
           </a:p>
         </p:txBody>
       </p:sp>
@@ -12009,7 +11962,28 @@
                 <a:latin typeface=""/>
                 <a:cs typeface=""/>
               </a:rPr>
-              <a:t>While k-means clustering tries to determine a given set of discrete clusters, hierarchical clustering attempts to the relationship between each observation and cluster.</a:t>
+              <a:t>While k-means clustering tries to determine a given set of discrete clusters, hierarchical clustering attempts to </a:t>
+            </a:r>
+            <a:r>
+              <a:rPr lang="en-US" sz="1800" dirty="0" smtClean="0">
+                <a:latin typeface=""/>
+                <a:cs typeface=""/>
+              </a:rPr>
+              <a:t>determine </a:t>
+            </a:r>
+            <a:r>
+              <a:rPr lang="en-US" sz="1800" dirty="0" smtClean="0">
+                <a:latin typeface=""/>
+                <a:cs typeface=""/>
+              </a:rPr>
+              <a:t>the </a:t>
+            </a:r>
+            <a:r>
+              <a:rPr lang="en-US" sz="1800" dirty="0" smtClean="0">
+                <a:latin typeface=""/>
+                <a:cs typeface=""/>
+              </a:rPr>
+              <a:t>relationship between each observation and cluster.</a:t>
             </a:r>
           </a:p>
           <a:p>
@@ -12274,7 +12248,6 @@
               <a:rPr lang="en-US" dirty="0" smtClean="0"/>
               <a:t>Hierarchical clustering</a:t>
             </a:r>
-            <a:endParaRPr lang="en-US" dirty="0" smtClean="0"/>
           </a:p>
         </p:txBody>
       </p:sp>
@@ -12332,23 +12305,31 @@
               <a:buFont typeface="Arial"/>
               <a:buChar char="•"/>
             </a:pPr>
-            <a:endParaRPr lang="en-US" sz="1800" dirty="0">
-              <a:latin typeface=""/>
-              <a:cs typeface=""/>
-            </a:endParaRPr>
-          </a:p>
-          <a:p>
-            <a:pPr marL="342900" indent="-342900" algn="l">
-              <a:buFont typeface="Arial"/>
-              <a:buChar char="•"/>
-            </a:pPr>
             <a:r>
               <a:rPr lang="en-US" sz="1800" dirty="0" smtClean="0">
                 <a:latin typeface=""/>
                 <a:cs typeface=""/>
               </a:rPr>
-              <a:t>Hierarchical clustering typically shows you a more accurate representation of similarity between your data.</a:t>
-            </a:r>
+              <a:t>Hierarchical </a:t>
+            </a:r>
+            <a:r>
+              <a:rPr lang="en-US" sz="1800" dirty="0" smtClean="0">
+                <a:latin typeface=""/>
+                <a:cs typeface=""/>
+              </a:rPr>
+              <a:t>clustering typically shows you a more accurate representation of similarity between your </a:t>
+            </a:r>
+            <a:r>
+              <a:rPr lang="en-US" sz="1800" dirty="0" smtClean="0">
+                <a:latin typeface=""/>
+                <a:cs typeface=""/>
+              </a:rPr>
+              <a:t>data than most other techniques.</a:t>
+            </a:r>
+            <a:endParaRPr lang="en-US" sz="1800" dirty="0" smtClean="0">
+              <a:latin typeface=""/>
+              <a:cs typeface=""/>
+            </a:endParaRPr>
           </a:p>
           <a:p>
             <a:pPr marL="342900" indent="-342900" algn="l">
@@ -12473,7 +12454,7 @@
                                         <p:tgtEl>
                                           <p:spTgt spid="5">
                                             <p:txEl>
-                                              <p:pRg st="1" end="1"/>
+                                              <p:pRg st="0" end="0"/>
                                             </p:txEl>
                                           </p:spTgt>
                                         </p:tgtEl>
@@ -12522,7 +12503,7 @@
                                         <p:tgtEl>
                                           <p:spTgt spid="5">
                                             <p:txEl>
-                                              <p:pRg st="3" end="3"/>
+                                              <p:pRg st="2" end="2"/>
                                             </p:txEl>
                                           </p:spTgt>
                                         </p:tgtEl>
@@ -12571,7 +12552,7 @@
                                         <p:tgtEl>
                                           <p:spTgt spid="5">
                                             <p:txEl>
-                                              <p:pRg st="5" end="5"/>
+                                              <p:pRg st="4" end="4"/>
                                             </p:txEl>
                                           </p:spTgt>
                                         </p:tgtEl>
@@ -12664,7 +12645,6 @@
               <a:rPr lang="en-US" dirty="0" smtClean="0"/>
               <a:t>In-class exercise: clustering</a:t>
             </a:r>
-            <a:endParaRPr lang="en-US" dirty="0" smtClean="0"/>
           </a:p>
         </p:txBody>
       </p:sp>
@@ -12783,15 +12763,19 @@
                 <a:latin typeface=""/>
                 <a:cs typeface=""/>
               </a:rPr>
-              <a:t>Perfor</a:t>
+              <a:t>Perform K-means clustering and plot the </a:t>
             </a:r>
             <a:r>
               <a:rPr lang="en-US" sz="1800" dirty="0" smtClean="0">
                 <a:latin typeface=""/>
                 <a:cs typeface=""/>
               </a:rPr>
-              <a:t>m K-means clustering and plot the results</a:t>
-            </a:r>
+              <a:t>results.</a:t>
+            </a:r>
+            <a:endParaRPr lang="en-US" sz="1800" dirty="0" smtClean="0">
+              <a:latin typeface=""/>
+              <a:cs typeface=""/>
+            </a:endParaRPr>
           </a:p>
           <a:p>
             <a:pPr marL="671513" lvl="1" indent="-342900" algn="l">
@@ -12803,8 +12787,19 @@
                 <a:latin typeface=""/>
                 <a:cs typeface=""/>
               </a:rPr>
-              <a:t>Perform DBSCAN clustering and plot the results</a:t>
-            </a:r>
+              <a:t>Perform DBSCAN clustering and plot the </a:t>
+            </a:r>
+            <a:r>
+              <a:rPr lang="en-US" sz="1800" dirty="0" smtClean="0">
+                <a:latin typeface=""/>
+                <a:cs typeface=""/>
+              </a:rPr>
+              <a:t>results.</a:t>
+            </a:r>
+            <a:endParaRPr lang="en-US" sz="1800" dirty="0" smtClean="0">
+              <a:latin typeface=""/>
+              <a:cs typeface=""/>
+            </a:endParaRPr>
           </a:p>
           <a:p>
             <a:pPr marL="671513" lvl="1" indent="-342900" algn="l">
@@ -12829,19 +12824,8 @@
                 <a:latin typeface=""/>
                 <a:cs typeface=""/>
               </a:rPr>
-              <a:t>Create a cutof</a:t>
-            </a:r>
-            <a:r>
-              <a:rPr lang="en-US" sz="1800" dirty="0" smtClean="0">
-                <a:latin typeface=""/>
-                <a:cs typeface=""/>
-              </a:rPr>
-              <a:t>f in the dendrogram to create a discrete number of clusters.</a:t>
-            </a:r>
-            <a:endParaRPr lang="en-US" sz="1800" dirty="0" smtClean="0">
-              <a:latin typeface=""/>
-              <a:cs typeface=""/>
-            </a:endParaRPr>
+              <a:t>Create a cutoff in the dendrogram to create a discrete number of clusters.</a:t>
+            </a:r>
           </a:p>
           <a:p>
             <a:pPr marL="342900" indent="-342900" algn="l">
@@ -13245,11 +13229,15 @@
             </a:pPr>
             <a:r>
               <a:rPr lang="en-US" sz="6600" dirty="0" smtClean="0"/>
-              <a:t>II. </a:t>
+              <a:t>II. Principal </a:t>
             </a:r>
             <a:r>
               <a:rPr lang="en-US" sz="6600" dirty="0" smtClean="0"/>
-              <a:t>Principal components analysis</a:t>
+              <a:t>component </a:t>
+            </a:r>
+            <a:r>
+              <a:rPr lang="en-US" sz="6600" dirty="0" smtClean="0"/>
+              <a:t>analysis</a:t>
             </a:r>
             <a:endParaRPr lang="en-US" sz="6600" dirty="0"/>
           </a:p>
@@ -13288,11 +13276,6 @@
               </a:rPr>
               <a:t>CLUSTERING AND DIMENSIONALITY REDUCTION</a:t>
             </a:r>
-            <a:endParaRPr lang="en-US" cap="none" dirty="0">
-              <a:latin typeface="PFDinTextCompPro-Bold" charset="0"/>
-              <a:ea typeface="ヒラギノ角ゴ ProN W3" charset="0"/>
-              <a:cs typeface="ヒラギノ角ゴ ProN W3" charset="0"/>
-            </a:endParaRPr>
           </a:p>
         </p:txBody>
       </p:sp>
@@ -13364,7 +13347,6 @@
               <a:rPr lang="en-US" dirty="0" smtClean="0"/>
               <a:t>PRINCIPAL COMPONENTS ANALYSIS</a:t>
             </a:r>
-            <a:endParaRPr lang="en-US" dirty="0" smtClean="0"/>
           </a:p>
         </p:txBody>
       </p:sp>
@@ -13457,21 +13439,7 @@
                 <a:latin typeface=""/>
                 <a:cs typeface=""/>
               </a:rPr>
-              <a:t> Recall that in previous classes, you learned feature selection, i.e. a recursive process to determine the bag of variables that allow your model to </a:t>
-            </a:r>
-            <a:r>
-              <a:rPr lang="en-US" sz="1800" dirty="0" smtClean="0">
-                <a:latin typeface=""/>
-                <a:cs typeface=""/>
-              </a:rPr>
-              <a:t>optimize </a:t>
-            </a:r>
-            <a:r>
-              <a:rPr lang="en-US" sz="1800" dirty="0" smtClean="0">
-                <a:latin typeface=""/>
-                <a:cs typeface=""/>
-              </a:rPr>
-              <a:t>predictive accuracy.</a:t>
+              <a:t> Recall that in previous classes, you learned feature selection, i.e. a recursive process to determine the bag of variables that allow your model to optimize predictive accuracy.</a:t>
             </a:r>
           </a:p>
           <a:p>
@@ -13507,21 +13475,19 @@
                 <a:latin typeface=""/>
                 <a:cs typeface=""/>
               </a:rPr>
-              <a:t>Current implementations do not explore all possible feature interactions</a:t>
-            </a:r>
-          </a:p>
-          <a:p>
-            <a:pPr marL="671513" lvl="1" indent="-342900" algn="l">
-              <a:buFont typeface="Arial"/>
-              <a:buChar char="•"/>
-            </a:pPr>
+              <a:t>Current implementations do not explore all possible feature </a:t>
+            </a:r>
             <a:r>
               <a:rPr lang="en-US" sz="1800" dirty="0" smtClean="0">
                 <a:latin typeface=""/>
                 <a:cs typeface=""/>
               </a:rPr>
-              <a:t>Elimination is done in a rank-ordered way, which can be misleading as rank and/or significance of a feature can change as you eliminate other features</a:t>
-            </a:r>
+              <a:t>interactions.</a:t>
+            </a:r>
+            <a:endParaRPr lang="en-US" sz="1800" dirty="0" smtClean="0">
+              <a:latin typeface=""/>
+              <a:cs typeface=""/>
+            </a:endParaRPr>
           </a:p>
           <a:p>
             <a:pPr marL="671513" lvl="1" indent="-342900" algn="l">
@@ -13533,8 +13499,43 @@
                 <a:latin typeface=""/>
                 <a:cs typeface=""/>
               </a:rPr>
-              <a:t>Implementation of RFE is very computationally intensive</a:t>
-            </a:r>
+              <a:t>Elimination is done in a rank-ordered way, which can be misleading as rank and/or significance of a feature can change as you eliminate other </a:t>
+            </a:r>
+            <a:r>
+              <a:rPr lang="en-US" sz="1800" dirty="0" smtClean="0">
+                <a:latin typeface=""/>
+                <a:cs typeface=""/>
+              </a:rPr>
+              <a:t>features.</a:t>
+            </a:r>
+            <a:endParaRPr lang="en-US" sz="1800" dirty="0" smtClean="0">
+              <a:latin typeface=""/>
+              <a:cs typeface=""/>
+            </a:endParaRPr>
+          </a:p>
+          <a:p>
+            <a:pPr marL="671513" lvl="1" indent="-342900" algn="l">
+              <a:buFont typeface="Arial"/>
+              <a:buChar char="•"/>
+            </a:pPr>
+            <a:r>
+              <a:rPr lang="en-US" sz="1800" dirty="0" smtClean="0">
+                <a:latin typeface=""/>
+                <a:cs typeface=""/>
+              </a:rPr>
+              <a:t>Implementation of RFE is very computationally </a:t>
+            </a:r>
+            <a:r>
+              <a:rPr lang="en-US" sz="1800" dirty="0" smtClean="0">
+                <a:latin typeface=""/>
+                <a:cs typeface=""/>
+              </a:rPr>
+              <a:t>intensive.</a:t>
+            </a:r>
+            <a:endParaRPr lang="en-US" sz="1800" dirty="0" smtClean="0">
+              <a:latin typeface=""/>
+              <a:cs typeface=""/>
+            </a:endParaRPr>
           </a:p>
           <a:p>
             <a:pPr marL="671513" lvl="1" indent="-342900" algn="l">
@@ -13946,7 +13947,6 @@
               <a:rPr lang="en-US" dirty="0" smtClean="0"/>
               <a:t>PRINCIPAL COMPONENTS ANALYSIS</a:t>
             </a:r>
-            <a:endParaRPr lang="en-US" dirty="0" smtClean="0"/>
           </a:p>
         </p:txBody>
       </p:sp>
@@ -14039,14 +14039,7 @@
                 <a:latin typeface=""/>
                 <a:cs typeface=""/>
               </a:rPr>
-              <a:t>Moreover, recursive featur</a:t>
-            </a:r>
-            <a:r>
-              <a:rPr lang="en-US" sz="1800" dirty="0" smtClean="0">
-                <a:latin typeface=""/>
-                <a:cs typeface=""/>
-              </a:rPr>
-              <a:t>e elimination can become unstable if you have multiple correlated or related features, each of which has a weak contribution to overall accuracy.  </a:t>
+              <a:t>Moreover, recursive feature elimination can become unstable if you have multiple correlated or related features, each of which has a weak contribution to overall accuracy.  </a:t>
             </a:r>
           </a:p>
           <a:p>
@@ -14419,9 +14412,16 @@
             </a:pPr>
             <a:r>
               <a:rPr lang="en-US" dirty="0" smtClean="0"/>
-              <a:t>PRINCIPAL COMPONENTS ANALYSIS</a:t>
-            </a:r>
-            <a:endParaRPr lang="en-US" dirty="0" smtClean="0"/>
+              <a:t>PRINCIPAL </a:t>
+            </a:r>
+            <a:r>
+              <a:rPr lang="en-US" dirty="0" smtClean="0"/>
+              <a:t>COMPONENT </a:t>
+            </a:r>
+            <a:r>
+              <a:rPr lang="en-US" dirty="0" smtClean="0"/>
+              <a:t>ANALYSIS</a:t>
+            </a:r>
           </a:p>
         </p:txBody>
       </p:sp>
@@ -14514,7 +14514,21 @@
                 <a:latin typeface=""/>
                 <a:cs typeface=""/>
               </a:rPr>
-              <a:t>To get around these issues, data scientists often use principal component analysis to ‘decompose’ the data into a (typically 3 or fewer) dimensions. </a:t>
+              <a:t>To get around these issues, data scientists often use principal component analysis to ‘decompose’ the data into </a:t>
+            </a:r>
+            <a:r>
+              <a:rPr lang="en-US" sz="1800" dirty="0" smtClean="0">
+                <a:latin typeface=""/>
+                <a:cs typeface=""/>
+              </a:rPr>
+              <a:t>n </a:t>
+            </a:r>
+            <a:r>
+              <a:rPr lang="en-US" sz="1800" dirty="0" smtClean="0">
+                <a:latin typeface=""/>
+                <a:cs typeface=""/>
+              </a:rPr>
+              <a:t>(typically 3 or fewer) dimensions. </a:t>
             </a:r>
           </a:p>
           <a:p>
@@ -14537,7 +14551,21 @@
                 <a:latin typeface=""/>
                 <a:cs typeface=""/>
               </a:rPr>
-              <a:t>However, the simpler methods you will learn today (such as PCA and LDA) will only decompose your data properly if they have a </a:t>
+              <a:t>However, the simpler methods you will learn today (such as </a:t>
+            </a:r>
+            <a:r>
+              <a:rPr lang="en-US" sz="1800" dirty="0" smtClean="0">
+                <a:latin typeface=""/>
+                <a:cs typeface=""/>
+              </a:rPr>
+              <a:t>PCA) </a:t>
+            </a:r>
+            <a:r>
+              <a:rPr lang="en-US" sz="1800" dirty="0" smtClean="0">
+                <a:latin typeface=""/>
+                <a:cs typeface=""/>
+              </a:rPr>
+              <a:t>will only decompose your data properly if they have a </a:t>
             </a:r>
             <a:r>
               <a:rPr lang="en-US" sz="1800" b="1" dirty="0" smtClean="0">
@@ -14574,14 +14602,7 @@
                 <a:latin typeface=""/>
                 <a:cs typeface=""/>
               </a:rPr>
-              <a:t>In addition, </a:t>
-            </a:r>
-            <a:r>
-              <a:rPr lang="en-US" sz="1800" dirty="0" smtClean="0">
-                <a:latin typeface=""/>
-                <a:cs typeface=""/>
-              </a:rPr>
-              <a:t>once you have transformed your data, it becomes </a:t>
+              <a:t>In addition, once you have transformed your data, it becomes </a:t>
             </a:r>
             <a:r>
               <a:rPr lang="en-US" sz="1800" b="1" dirty="0" smtClean="0">
@@ -14595,7 +14616,21 @@
                 <a:latin typeface=""/>
                 <a:cs typeface=""/>
               </a:rPr>
-              <a:t>as it no longer has a direct connection to any one feature. As such, you will have no way of identifying a problem with an underlying feature by looking at the PCA / LDA output. </a:t>
+              <a:t>as it no longer has a direct connection to any one feature. As such, you will have no way of identifying a problem with an underlying feature by looking at the </a:t>
+            </a:r>
+            <a:r>
+              <a:rPr lang="en-US" sz="1800" dirty="0" smtClean="0">
+                <a:latin typeface=""/>
+                <a:cs typeface=""/>
+              </a:rPr>
+              <a:t>PCA </a:t>
+            </a:r>
+            <a:r>
+              <a:rPr lang="en-US" sz="1800" dirty="0" smtClean="0">
+                <a:latin typeface=""/>
+                <a:cs typeface=""/>
+              </a:rPr>
+              <a:t>output. </a:t>
             </a:r>
           </a:p>
           <a:p>
@@ -14618,19 +14653,8 @@
                 <a:latin typeface=""/>
                 <a:cs typeface=""/>
               </a:rPr>
-              <a:t>In addition, PCA is dependent </a:t>
-            </a:r>
-            <a:r>
-              <a:rPr lang="en-US" sz="1800" dirty="0" smtClean="0">
-                <a:latin typeface=""/>
-                <a:cs typeface=""/>
-              </a:rPr>
-              <a:t>on the initial scaling of the variables – so if one variable is scaled to have a larger magnitude, it will dominate your decomposition.</a:t>
-            </a:r>
-            <a:endParaRPr lang="en-US" sz="1800" dirty="0" smtClean="0">
-              <a:latin typeface=""/>
-              <a:cs typeface=""/>
-            </a:endParaRPr>
+              <a:t>In addition, PCA is dependent on the initial scaling of the variables – so if one variable is scaled to have a larger magnitude, it will dominate your decomposition.</a:t>
+            </a:r>
           </a:p>
         </p:txBody>
       </p:sp>
@@ -14919,9 +14943,16 @@
             </a:pPr>
             <a:r>
               <a:rPr lang="en-US" dirty="0" smtClean="0"/>
-              <a:t>Principal component analysis</a:t>
-            </a:r>
-            <a:endParaRPr lang="en-US" dirty="0" smtClean="0"/>
+              <a:t>Principal </a:t>
+            </a:r>
+            <a:r>
+              <a:rPr lang="en-US" dirty="0" smtClean="0"/>
+              <a:t>component </a:t>
+            </a:r>
+            <a:r>
+              <a:rPr lang="en-US" dirty="0" smtClean="0"/>
+              <a:t>analysis</a:t>
+            </a:r>
           </a:p>
         </p:txBody>
       </p:sp>
@@ -16075,7 +16106,6 @@
               <a:rPr lang="en-US" dirty="0" smtClean="0"/>
               <a:t>What’s an eigenvalue and an eigenvector?</a:t>
             </a:r>
-            <a:endParaRPr lang="en-US" dirty="0" smtClean="0"/>
           </a:p>
         </p:txBody>
       </p:sp>
@@ -16825,19 +16855,8 @@
                 <a:latin typeface=""/>
                 <a:cs typeface=""/>
               </a:rPr>
-              <a:t>to the plot: only take thos</a:t>
-            </a:r>
-            <a:r>
-              <a:rPr lang="en-US" sz="1800" dirty="0" smtClean="0">
-                <a:latin typeface=""/>
-                <a:cs typeface=""/>
-              </a:rPr>
-              <a:t>e components to the left of the ‘elbow’ in explained variance. </a:t>
-            </a:r>
-            <a:endParaRPr lang="en-US" sz="1800" dirty="0" smtClean="0">
-              <a:latin typeface=""/>
-              <a:cs typeface=""/>
-            </a:endParaRPr>
+              <a:t>to the plot: only take those components to the left of the ‘elbow’ in explained variance. </a:t>
+            </a:r>
           </a:p>
         </p:txBody>
       </p:sp>
@@ -17196,19 +17215,8 @@
                 <a:latin typeface=""/>
                 <a:cs typeface=""/>
               </a:rPr>
-              <a:t>Cons: Same as PCA: assumes linear relationships between variables, no guarantee that principal components will be </a:t>
-            </a:r>
-            <a:r>
-              <a:rPr lang="en-US" sz="1600" dirty="0" smtClean="0">
-                <a:latin typeface=""/>
-                <a:cs typeface=""/>
-              </a:rPr>
-              <a:t>fit on features that are most important to dividing classes or helping predict your regressand. </a:t>
-            </a:r>
-            <a:endParaRPr lang="en-US" sz="1600" dirty="0" smtClean="0">
-              <a:latin typeface=""/>
-              <a:cs typeface=""/>
-            </a:endParaRPr>
+              <a:t>Cons: Same as PCA: assumes linear relationships between variables, no guarantee that principal components will be fit on features that are most important to dividing classes or helping predict your regressand. </a:t>
+            </a:r>
           </a:p>
           <a:p>
             <a:pPr marL="671513" lvl="1" indent="-342900" algn="l">
@@ -17286,10 +17294,6 @@
               </a:rPr>
               <a:t>Cons: Assumes input features are normally distributed, assumes output classification follows a functional (linear, quadratic. etc.) decision boundary </a:t>
             </a:r>
-            <a:endParaRPr lang="en-US" sz="1600" dirty="0" smtClean="0">
-              <a:latin typeface=""/>
-              <a:cs typeface=""/>
-            </a:endParaRPr>
           </a:p>
           <a:p>
             <a:pPr lvl="1" indent="0" algn="l"/>
@@ -17855,10 +17859,6 @@
               </a:rPr>
               <a:t>Cons:  longer computation time, less available documentation to properly tune,  still no guarantee features extracted will be relevant to your regression/classification question.</a:t>
             </a:r>
-            <a:endParaRPr lang="en-US" sz="1600" dirty="0" smtClean="0">
-              <a:latin typeface=""/>
-              <a:cs typeface=""/>
-            </a:endParaRPr>
           </a:p>
           <a:p>
             <a:pPr marL="1000125" lvl="2" indent="-342900" algn="l">
@@ -18207,37 +18207,30 @@
                 <a:latin typeface=""/>
                 <a:cs typeface=""/>
               </a:rPr>
-              <a:t>Perform PCA on the features </a:t>
-            </a:r>
+              <a:t>Perform PCA on the features we used in last class’s dataset.</a:t>
+            </a:r>
+          </a:p>
+          <a:p>
+            <a:pPr marL="342900" indent="-342900" algn="l">
+              <a:buFont typeface="Arial"/>
+              <a:buChar char="•"/>
+            </a:pPr>
+            <a:endParaRPr lang="en-US" sz="1800" dirty="0">
+              <a:latin typeface=""/>
+              <a:cs typeface=""/>
+            </a:endParaRPr>
+          </a:p>
+          <a:p>
+            <a:pPr marL="342900" indent="-342900" algn="l">
+              <a:buFont typeface="Arial"/>
+              <a:buChar char="•"/>
+            </a:pPr>
             <a:r>
               <a:rPr lang="en-US" sz="1800" dirty="0" smtClean="0">
                 <a:latin typeface=""/>
                 <a:cs typeface=""/>
               </a:rPr>
-              <a:t>we used in last class’s dataset.</a:t>
-            </a:r>
-          </a:p>
-          <a:p>
-            <a:pPr marL="342900" indent="-342900" algn="l">
-              <a:buFont typeface="Arial"/>
-              <a:buChar char="•"/>
-            </a:pPr>
-            <a:endParaRPr lang="en-US" sz="1800" dirty="0">
-              <a:latin typeface=""/>
-              <a:cs typeface=""/>
-            </a:endParaRPr>
-          </a:p>
-          <a:p>
-            <a:pPr marL="342900" indent="-342900" algn="l">
-              <a:buFont typeface="Arial"/>
-              <a:buChar char="•"/>
-            </a:pPr>
-            <a:r>
-              <a:rPr lang="en-US" sz="1800" dirty="0" smtClean="0">
-                <a:latin typeface=""/>
-                <a:cs typeface=""/>
-              </a:rPr>
-              <a:t>Plot the first principal component of the explanatory data.</a:t>
+              <a:t>Plot the first two principal component of the explanatory data.</a:t>
             </a:r>
           </a:p>
           <a:p>
@@ -18308,10 +18301,6 @@
               </a:rPr>
               <a:t>Evaluate out-of-sample accuracy against non-transformed data.  </a:t>
             </a:r>
-            <a:endParaRPr lang="en-US" sz="1800" dirty="0" smtClean="0">
-              <a:latin typeface=""/>
-              <a:cs typeface=""/>
-            </a:endParaRPr>
           </a:p>
         </p:txBody>
       </p:sp>
@@ -18646,11 +18635,7 @@
             </a:pPr>
             <a:r>
               <a:rPr lang="en-US" sz="6600" dirty="0" smtClean="0"/>
-              <a:t>III. </a:t>
-            </a:r>
-            <a:r>
-              <a:rPr lang="en-US" sz="6600" dirty="0" smtClean="0"/>
-              <a:t>Support vector machines</a:t>
+              <a:t>III. Support vector machines</a:t>
             </a:r>
             <a:endParaRPr lang="en-US" sz="6600" dirty="0"/>
           </a:p>
@@ -18689,11 +18674,6 @@
               </a:rPr>
               <a:t>CLUSTERING AND DIMENSIONALITY REDUCTION</a:t>
             </a:r>
-            <a:endParaRPr lang="en-US" cap="none" dirty="0">
-              <a:latin typeface="PFDinTextCompPro-Bold" charset="0"/>
-              <a:ea typeface="ヒラギノ角ゴ ProN W3" charset="0"/>
-              <a:cs typeface="ヒラギノ角ゴ ProN W3" charset="0"/>
-            </a:endParaRPr>
           </a:p>
         </p:txBody>
       </p:sp>
@@ -18763,13 +18743,8 @@
             </a:pPr>
             <a:r>
               <a:rPr lang="en-US" dirty="0" smtClean="0"/>
-              <a:t>Suppor</a:t>
-            </a:r>
-            <a:r>
-              <a:rPr lang="en-US" dirty="0" smtClean="0"/>
-              <a:t>t vector machines</a:t>
-            </a:r>
-            <a:endParaRPr lang="en-US" dirty="0" smtClean="0"/>
+              <a:t>Support vector machines</a:t>
+            </a:r>
           </a:p>
         </p:txBody>
       </p:sp>
@@ -19315,7 +19290,7 @@
                 <a:latin typeface=""/>
                 <a:cs typeface=""/>
               </a:rPr>
-              <a:t>Works well with trending data</a:t>
+              <a:t>Works well with trending data (unlike RFs!)</a:t>
             </a:r>
           </a:p>
           <a:p>
@@ -20165,7 +20140,6 @@
               <a:rPr lang="en-US" dirty="0" smtClean="0"/>
               <a:t>Kernel functions</a:t>
             </a:r>
-            <a:endParaRPr lang="en-US" dirty="0" smtClean="0"/>
           </a:p>
         </p:txBody>
       </p:sp>
@@ -20237,7 +20211,7 @@
         <p:spPr>
           <a:xfrm>
             <a:off x="414337" y="1028700"/>
-            <a:ext cx="8534400" cy="2985433"/>
+            <a:ext cx="8534400" cy="369332"/>
           </a:xfrm>
           <a:prstGeom prst="rect">
             <a:avLst/>
@@ -20249,6 +20223,38 @@
           </a:bodyPr>
           <a:lstStyle/>
           <a:p>
+            <a:pPr marL="671513" lvl="1" indent="-342900" algn="l">
+              <a:buFont typeface="Arial"/>
+              <a:buChar char="•"/>
+            </a:pPr>
+            <a:endParaRPr lang="en-US" sz="1800" dirty="0" smtClean="0">
+              <a:latin typeface=""/>
+              <a:cs typeface=""/>
+            </a:endParaRPr>
+          </a:p>
+        </p:txBody>
+      </p:sp>
+      <p:sp>
+        <p:nvSpPr>
+          <p:cNvPr id="6" name="Rectangle 5"/>
+          <p:cNvSpPr/>
+          <p:nvPr/>
+        </p:nvSpPr>
+        <p:spPr>
+          <a:xfrm>
+            <a:off x="414337" y="1028700"/>
+            <a:ext cx="8534400" cy="3262432"/>
+          </a:xfrm>
+          <a:prstGeom prst="rect">
+            <a:avLst/>
+          </a:prstGeom>
+        </p:spPr>
+        <p:txBody>
+          <a:bodyPr wrap="square">
+            <a:spAutoFit/>
+          </a:bodyPr>
+          <a:lstStyle/>
+          <a:p>
             <a:pPr marL="342900" indent="-342900" algn="l">
               <a:buFont typeface="Arial"/>
               <a:buChar char="•"/>
@@ -20264,7 +20270,7 @@
               <a:buChar char="•"/>
             </a:pPr>
             <a:r>
-              <a:rPr lang="en-US" sz="1800" dirty="0" smtClean="0">
+              <a:rPr lang="en-US" sz="1800" dirty="0">
                 <a:latin typeface=""/>
                 <a:cs typeface=""/>
               </a:rPr>
@@ -20277,7 +20283,7 @@
               <a:buChar char="•"/>
             </a:pPr>
             <a:r>
-              <a:rPr lang="en-US" sz="1800" dirty="0" smtClean="0">
+              <a:rPr lang="en-US" sz="1800" dirty="0">
                 <a:latin typeface=""/>
                 <a:cs typeface=""/>
               </a:rPr>
@@ -20290,7 +20296,7 @@
               <a:buChar char="•"/>
             </a:pPr>
             <a:r>
-              <a:rPr lang="en-US" sz="1800" dirty="0" smtClean="0">
+              <a:rPr lang="en-US" sz="1800" dirty="0">
                 <a:latin typeface=""/>
                 <a:cs typeface=""/>
               </a:rPr>
@@ -20303,7 +20309,7 @@
               <a:buChar char="•"/>
             </a:pPr>
             <a:r>
-              <a:rPr lang="en-US" sz="1800" dirty="0" smtClean="0">
+              <a:rPr lang="en-US" sz="1800" dirty="0">
                 <a:latin typeface=""/>
                 <a:cs typeface=""/>
               </a:rPr>
@@ -20316,7 +20322,7 @@
               <a:buChar char="•"/>
             </a:pPr>
             <a:r>
-              <a:rPr lang="en-US" sz="1800" dirty="0" smtClean="0">
+              <a:rPr lang="en-US" sz="1800" dirty="0">
                 <a:latin typeface=""/>
                 <a:cs typeface=""/>
               </a:rPr>
@@ -20329,7 +20335,7 @@
               <a:buChar char="•"/>
             </a:pPr>
             <a:r>
-              <a:rPr lang="en-US" sz="1800" dirty="0" smtClean="0">
+              <a:rPr lang="en-US" sz="1800" dirty="0">
                 <a:latin typeface=""/>
                 <a:cs typeface=""/>
               </a:rPr>
@@ -20352,7 +20358,7 @@
               <a:buChar char="•"/>
             </a:pPr>
             <a:r>
-              <a:rPr lang="en-US" sz="1800" dirty="0" smtClean="0">
+              <a:rPr lang="en-US" sz="1800" dirty="0">
                 <a:latin typeface=""/>
                 <a:cs typeface=""/>
               </a:rPr>
@@ -20361,6 +20367,16 @@
           </a:p>
           <a:p>
             <a:pPr marL="671513" lvl="1" indent="-342900" algn="l">
+              <a:buFont typeface="Arial"/>
+              <a:buChar char="•"/>
+            </a:pPr>
+            <a:endParaRPr lang="en-US" sz="1800" dirty="0">
+              <a:latin typeface=""/>
+              <a:cs typeface=""/>
+            </a:endParaRPr>
+          </a:p>
+          <a:p>
+            <a:pPr marL="342900" indent="-342900" algn="l">
               <a:buFont typeface="Arial"/>
               <a:buChar char="•"/>
             </a:pPr>
@@ -20385,7 +20401,373 @@
   <p:timing>
     <p:tnLst>
       <p:par>
-        <p:cTn xmlns:p14="http://schemas.microsoft.com/office/powerpoint/2010/main" id="1" dur="indefinite" restart="never" nodeType="tmRoot"/>
+        <p:cTn xmlns:p14="http://schemas.microsoft.com/office/powerpoint/2010/main" id="1" dur="indefinite" restart="never" nodeType="tmRoot">
+          <p:childTnLst>
+            <p:seq concurrent="1" nextAc="seek">
+              <p:cTn id="2" dur="indefinite" nodeType="mainSeq">
+                <p:childTnLst>
+                  <p:par>
+                    <p:cTn id="3" fill="hold">
+                      <p:stCondLst>
+                        <p:cond delay="indefinite"/>
+                      </p:stCondLst>
+                      <p:childTnLst>
+                        <p:par>
+                          <p:cTn id="4" fill="hold">
+                            <p:stCondLst>
+                              <p:cond delay="0"/>
+                            </p:stCondLst>
+                            <p:childTnLst>
+                              <p:par>
+                                <p:cTn id="5" presetID="1" presetClass="entr" presetSubtype="0" fill="hold" nodeType="clickEffect">
+                                  <p:stCondLst>
+                                    <p:cond delay="0"/>
+                                  </p:stCondLst>
+                                  <p:childTnLst>
+                                    <p:set>
+                                      <p:cBhvr>
+                                        <p:cTn id="6" dur="1" fill="hold">
+                                          <p:stCondLst>
+                                            <p:cond delay="0"/>
+                                          </p:stCondLst>
+                                        </p:cTn>
+                                        <p:tgtEl>
+                                          <p:spTgt spid="6">
+                                            <p:txEl>
+                                              <p:pRg st="1" end="1"/>
+                                            </p:txEl>
+                                          </p:spTgt>
+                                        </p:tgtEl>
+                                        <p:attrNameLst>
+                                          <p:attrName>style.visibility</p:attrName>
+                                        </p:attrNameLst>
+                                      </p:cBhvr>
+                                      <p:to>
+                                        <p:strVal val="visible"/>
+                                      </p:to>
+                                    </p:set>
+                                  </p:childTnLst>
+                                </p:cTn>
+                              </p:par>
+                            </p:childTnLst>
+                          </p:cTn>
+                        </p:par>
+                      </p:childTnLst>
+                    </p:cTn>
+                  </p:par>
+                  <p:par>
+                    <p:cTn id="7" fill="hold">
+                      <p:stCondLst>
+                        <p:cond delay="indefinite"/>
+                      </p:stCondLst>
+                      <p:childTnLst>
+                        <p:par>
+                          <p:cTn id="8" fill="hold">
+                            <p:stCondLst>
+                              <p:cond delay="0"/>
+                            </p:stCondLst>
+                            <p:childTnLst>
+                              <p:par>
+                                <p:cTn id="9" presetID="1" presetClass="entr" presetSubtype="0" fill="hold" nodeType="clickEffect">
+                                  <p:stCondLst>
+                                    <p:cond delay="0"/>
+                                  </p:stCondLst>
+                                  <p:childTnLst>
+                                    <p:set>
+                                      <p:cBhvr>
+                                        <p:cTn id="10" dur="1" fill="hold">
+                                          <p:stCondLst>
+                                            <p:cond delay="0"/>
+                                          </p:stCondLst>
+                                        </p:cTn>
+                                        <p:tgtEl>
+                                          <p:spTgt spid="6">
+                                            <p:txEl>
+                                              <p:pRg st="2" end="2"/>
+                                            </p:txEl>
+                                          </p:spTgt>
+                                        </p:tgtEl>
+                                        <p:attrNameLst>
+                                          <p:attrName>style.visibility</p:attrName>
+                                        </p:attrNameLst>
+                                      </p:cBhvr>
+                                      <p:to>
+                                        <p:strVal val="visible"/>
+                                      </p:to>
+                                    </p:set>
+                                  </p:childTnLst>
+                                </p:cTn>
+                              </p:par>
+                            </p:childTnLst>
+                          </p:cTn>
+                        </p:par>
+                      </p:childTnLst>
+                    </p:cTn>
+                  </p:par>
+                  <p:par>
+                    <p:cTn id="11" fill="hold">
+                      <p:stCondLst>
+                        <p:cond delay="indefinite"/>
+                      </p:stCondLst>
+                      <p:childTnLst>
+                        <p:par>
+                          <p:cTn id="12" fill="hold">
+                            <p:stCondLst>
+                              <p:cond delay="0"/>
+                            </p:stCondLst>
+                            <p:childTnLst>
+                              <p:par>
+                                <p:cTn id="13" presetID="1" presetClass="entr" presetSubtype="0" fill="hold" nodeType="clickEffect">
+                                  <p:stCondLst>
+                                    <p:cond delay="0"/>
+                                  </p:stCondLst>
+                                  <p:childTnLst>
+                                    <p:set>
+                                      <p:cBhvr>
+                                        <p:cTn id="14" dur="1" fill="hold">
+                                          <p:stCondLst>
+                                            <p:cond delay="0"/>
+                                          </p:stCondLst>
+                                        </p:cTn>
+                                        <p:tgtEl>
+                                          <p:spTgt spid="6">
+                                            <p:txEl>
+                                              <p:pRg st="3" end="3"/>
+                                            </p:txEl>
+                                          </p:spTgt>
+                                        </p:tgtEl>
+                                        <p:attrNameLst>
+                                          <p:attrName>style.visibility</p:attrName>
+                                        </p:attrNameLst>
+                                      </p:cBhvr>
+                                      <p:to>
+                                        <p:strVal val="visible"/>
+                                      </p:to>
+                                    </p:set>
+                                  </p:childTnLst>
+                                </p:cTn>
+                              </p:par>
+                            </p:childTnLst>
+                          </p:cTn>
+                        </p:par>
+                      </p:childTnLst>
+                    </p:cTn>
+                  </p:par>
+                  <p:par>
+                    <p:cTn id="15" fill="hold">
+                      <p:stCondLst>
+                        <p:cond delay="indefinite"/>
+                      </p:stCondLst>
+                      <p:childTnLst>
+                        <p:par>
+                          <p:cTn id="16" fill="hold">
+                            <p:stCondLst>
+                              <p:cond delay="0"/>
+                            </p:stCondLst>
+                            <p:childTnLst>
+                              <p:par>
+                                <p:cTn id="17" presetID="1" presetClass="entr" presetSubtype="0" fill="hold" nodeType="clickEffect">
+                                  <p:stCondLst>
+                                    <p:cond delay="0"/>
+                                  </p:stCondLst>
+                                  <p:childTnLst>
+                                    <p:set>
+                                      <p:cBhvr>
+                                        <p:cTn id="18" dur="1" fill="hold">
+                                          <p:stCondLst>
+                                            <p:cond delay="0"/>
+                                          </p:stCondLst>
+                                        </p:cTn>
+                                        <p:tgtEl>
+                                          <p:spTgt spid="6">
+                                            <p:txEl>
+                                              <p:pRg st="4" end="4"/>
+                                            </p:txEl>
+                                          </p:spTgt>
+                                        </p:tgtEl>
+                                        <p:attrNameLst>
+                                          <p:attrName>style.visibility</p:attrName>
+                                        </p:attrNameLst>
+                                      </p:cBhvr>
+                                      <p:to>
+                                        <p:strVal val="visible"/>
+                                      </p:to>
+                                    </p:set>
+                                  </p:childTnLst>
+                                </p:cTn>
+                              </p:par>
+                            </p:childTnLst>
+                          </p:cTn>
+                        </p:par>
+                      </p:childTnLst>
+                    </p:cTn>
+                  </p:par>
+                  <p:par>
+                    <p:cTn id="19" fill="hold">
+                      <p:stCondLst>
+                        <p:cond delay="indefinite"/>
+                      </p:stCondLst>
+                      <p:childTnLst>
+                        <p:par>
+                          <p:cTn id="20" fill="hold">
+                            <p:stCondLst>
+                              <p:cond delay="0"/>
+                            </p:stCondLst>
+                            <p:childTnLst>
+                              <p:par>
+                                <p:cTn id="21" presetID="1" presetClass="entr" presetSubtype="0" fill="hold" nodeType="clickEffect">
+                                  <p:stCondLst>
+                                    <p:cond delay="0"/>
+                                  </p:stCondLst>
+                                  <p:childTnLst>
+                                    <p:set>
+                                      <p:cBhvr>
+                                        <p:cTn id="22" dur="1" fill="hold">
+                                          <p:stCondLst>
+                                            <p:cond delay="0"/>
+                                          </p:stCondLst>
+                                        </p:cTn>
+                                        <p:tgtEl>
+                                          <p:spTgt spid="6">
+                                            <p:txEl>
+                                              <p:pRg st="5" end="5"/>
+                                            </p:txEl>
+                                          </p:spTgt>
+                                        </p:tgtEl>
+                                        <p:attrNameLst>
+                                          <p:attrName>style.visibility</p:attrName>
+                                        </p:attrNameLst>
+                                      </p:cBhvr>
+                                      <p:to>
+                                        <p:strVal val="visible"/>
+                                      </p:to>
+                                    </p:set>
+                                  </p:childTnLst>
+                                </p:cTn>
+                              </p:par>
+                            </p:childTnLst>
+                          </p:cTn>
+                        </p:par>
+                      </p:childTnLst>
+                    </p:cTn>
+                  </p:par>
+                  <p:par>
+                    <p:cTn id="23" fill="hold">
+                      <p:stCondLst>
+                        <p:cond delay="indefinite"/>
+                      </p:stCondLst>
+                      <p:childTnLst>
+                        <p:par>
+                          <p:cTn id="24" fill="hold">
+                            <p:stCondLst>
+                              <p:cond delay="0"/>
+                            </p:stCondLst>
+                            <p:childTnLst>
+                              <p:par>
+                                <p:cTn id="25" presetID="1" presetClass="entr" presetSubtype="0" fill="hold" nodeType="clickEffect">
+                                  <p:stCondLst>
+                                    <p:cond delay="0"/>
+                                  </p:stCondLst>
+                                  <p:childTnLst>
+                                    <p:set>
+                                      <p:cBhvr>
+                                        <p:cTn id="26" dur="1" fill="hold">
+                                          <p:stCondLst>
+                                            <p:cond delay="0"/>
+                                          </p:stCondLst>
+                                        </p:cTn>
+                                        <p:tgtEl>
+                                          <p:spTgt spid="6">
+                                            <p:txEl>
+                                              <p:pRg st="6" end="6"/>
+                                            </p:txEl>
+                                          </p:spTgt>
+                                        </p:tgtEl>
+                                        <p:attrNameLst>
+                                          <p:attrName>style.visibility</p:attrName>
+                                        </p:attrNameLst>
+                                      </p:cBhvr>
+                                      <p:to>
+                                        <p:strVal val="visible"/>
+                                      </p:to>
+                                    </p:set>
+                                  </p:childTnLst>
+                                </p:cTn>
+                              </p:par>
+                            </p:childTnLst>
+                          </p:cTn>
+                        </p:par>
+                      </p:childTnLst>
+                    </p:cTn>
+                  </p:par>
+                  <p:par>
+                    <p:cTn id="27" fill="hold">
+                      <p:stCondLst>
+                        <p:cond delay="indefinite"/>
+                      </p:stCondLst>
+                      <p:childTnLst>
+                        <p:par>
+                          <p:cTn id="28" fill="hold">
+                            <p:stCondLst>
+                              <p:cond delay="0"/>
+                            </p:stCondLst>
+                            <p:childTnLst>
+                              <p:par>
+                                <p:cTn id="29" presetID="1" presetClass="entr" presetSubtype="0" fill="hold" nodeType="clickEffect">
+                                  <p:stCondLst>
+                                    <p:cond delay="0"/>
+                                  </p:stCondLst>
+                                  <p:childTnLst>
+                                    <p:set>
+                                      <p:cBhvr>
+                                        <p:cTn id="30" dur="1" fill="hold">
+                                          <p:stCondLst>
+                                            <p:cond delay="0"/>
+                                          </p:stCondLst>
+                                        </p:cTn>
+                                        <p:tgtEl>
+                                          <p:spTgt spid="6">
+                                            <p:txEl>
+                                              <p:pRg st="8" end="8"/>
+                                            </p:txEl>
+                                          </p:spTgt>
+                                        </p:tgtEl>
+                                        <p:attrNameLst>
+                                          <p:attrName>style.visibility</p:attrName>
+                                        </p:attrNameLst>
+                                      </p:cBhvr>
+                                      <p:to>
+                                        <p:strVal val="visible"/>
+                                      </p:to>
+                                    </p:set>
+                                  </p:childTnLst>
+                                </p:cTn>
+                              </p:par>
+                            </p:childTnLst>
+                          </p:cTn>
+                        </p:par>
+                      </p:childTnLst>
+                    </p:cTn>
+                  </p:par>
+                </p:childTnLst>
+              </p:cTn>
+              <p:prevCondLst>
+                <p:cond evt="onPrev" delay="0">
+                  <p:tgtEl>
+                    <p:sldTgt/>
+                  </p:tgtEl>
+                </p:cond>
+              </p:prevCondLst>
+              <p:nextCondLst>
+                <p:cond evt="onNext" delay="0">
+                  <p:tgtEl>
+                    <p:sldTgt/>
+                  </p:tgtEl>
+                </p:cond>
+              </p:nextCondLst>
+            </p:seq>
+          </p:childTnLst>
+        </p:cTn>
       </p:par>
     </p:tnLst>
   </p:timing>
@@ -20439,7 +20821,6 @@
               <a:rPr lang="en-US" dirty="0" smtClean="0"/>
               <a:t>In-class exercise: SVMs</a:t>
             </a:r>
-            <a:endParaRPr lang="en-US" dirty="0" smtClean="0"/>
           </a:p>
         </p:txBody>
       </p:sp>
@@ -20532,14 +20913,7 @@
                 <a:latin typeface=""/>
                 <a:cs typeface=""/>
               </a:rPr>
-              <a:t>Run a SVM </a:t>
-            </a:r>
-            <a:r>
-              <a:rPr lang="en-US" sz="1800" dirty="0" smtClean="0">
-                <a:latin typeface=""/>
-                <a:cs typeface=""/>
-              </a:rPr>
-              <a:t>with the kernel as ‘quadratic’</a:t>
+              <a:t>Run a SVM with the kernel as ‘polynomial’</a:t>
             </a:r>
           </a:p>
           <a:p>
@@ -20567,10 +20941,6 @@
               </a:rPr>
               <a:t>Compare the accuracy of the final model to the PCA result and the raw random forest. </a:t>
             </a:r>
-            <a:endParaRPr lang="en-US" sz="1800" dirty="0" smtClean="0">
-              <a:latin typeface=""/>
-              <a:cs typeface=""/>
-            </a:endParaRPr>
           </a:p>
         </p:txBody>
       </p:sp>
@@ -20811,11 +21181,7 @@
             </a:r>
             <a:r>
               <a:rPr lang="en-US" sz="6600" dirty="0" smtClean="0"/>
-              <a:t>. </a:t>
-            </a:r>
-            <a:r>
-              <a:rPr lang="en-US" sz="6600" dirty="0" smtClean="0"/>
-              <a:t>CLUSTERING</a:t>
+              <a:t>. CLUSTERING</a:t>
             </a:r>
             <a:endParaRPr lang="en-US" sz="6600" dirty="0"/>
           </a:p>
@@ -20964,11 +21330,6 @@
               </a:rPr>
               <a:t>CLUSTERING AND DIMENSIONALITY REDUCTION</a:t>
             </a:r>
-            <a:endParaRPr lang="en-US" cap="none" dirty="0">
-              <a:latin typeface="PFDinTextCompPro-Bold" charset="0"/>
-              <a:ea typeface="ヒラギノ角ゴ ProN W3" charset="0"/>
-              <a:cs typeface="ヒラギノ角ゴ ProN W3" charset="0"/>
-            </a:endParaRPr>
           </a:p>
         </p:txBody>
       </p:sp>
@@ -21088,7 +21449,6 @@
               <a:rPr lang="en-US" dirty="0" smtClean="0"/>
               <a:t>clustering</a:t>
             </a:r>
-            <a:endParaRPr lang="en-US" dirty="0" smtClean="0"/>
           </a:p>
         </p:txBody>
       </p:sp>
@@ -21488,7 +21848,6 @@
               <a:rPr lang="en-US" dirty="0" smtClean="0"/>
               <a:t>clustering</a:t>
             </a:r>
-            <a:endParaRPr lang="en-US" dirty="0" smtClean="0"/>
           </a:p>
         </p:txBody>
       </p:sp>
@@ -21939,7 +22298,6 @@
               <a:rPr lang="en-US" dirty="0" smtClean="0"/>
               <a:t>K-means implementation</a:t>
             </a:r>
-            <a:endParaRPr lang="en-US" dirty="0" smtClean="0"/>
           </a:p>
         </p:txBody>
       </p:sp>
@@ -22032,22 +22390,19 @@
                 <a:latin typeface="Helvetica"/>
                 <a:cs typeface="Helvetica"/>
               </a:rPr>
-              <a:t>The most popular implementation of K-means (called Lloyd’s </a:t>
+              <a:t>The most popular implementation of K-means (called Lloyd’s algorithm) uses the following </a:t>
             </a:r>
             <a:r>
               <a:rPr lang="en-US" sz="1800" dirty="0" smtClean="0">
                 <a:latin typeface="Helvetica"/>
                 <a:cs typeface="Helvetica"/>
               </a:rPr>
-              <a:t>algorithm) </a:t>
-            </a:r>
-            <a:r>
-              <a:rPr lang="en-US" sz="1800" dirty="0" smtClean="0">
-                <a:latin typeface="Helvetica"/>
-                <a:cs typeface="Helvetica"/>
-              </a:rPr>
-              <a:t>uses the following process:</a:t>
-            </a:r>
+              <a:t>process to ‘lock in’ on the data’s proper centroids:</a:t>
+            </a:r>
+            <a:endParaRPr lang="en-US" sz="1800" dirty="0" smtClean="0">
+              <a:latin typeface="Helvetica"/>
+              <a:cs typeface="Helvetica"/>
+            </a:endParaRPr>
           </a:p>
           <a:p>
             <a:pPr marL="342900" indent="-342900" algn="l">
@@ -22136,8 +22491,19 @@
                 <a:latin typeface="Helvetica"/>
                 <a:cs typeface="Helvetica"/>
               </a:rPr>
-              <a:t>Reassign each observation to the cluster corresponding to its nearest centroid</a:t>
-            </a:r>
+              <a:t>Reassign each observation to the cluster corresponding to its nearest </a:t>
+            </a:r>
+            <a:r>
+              <a:rPr lang="en-US" sz="1800" dirty="0" smtClean="0">
+                <a:latin typeface="Helvetica"/>
+                <a:cs typeface="Helvetica"/>
+              </a:rPr>
+              <a:t>centroid.</a:t>
+            </a:r>
+            <a:endParaRPr lang="en-US" sz="1800" dirty="0" smtClean="0">
+              <a:latin typeface="Helvetica"/>
+              <a:cs typeface="Helvetica"/>
+            </a:endParaRPr>
           </a:p>
           <a:p>
             <a:pPr marL="671513" lvl="1" indent="-342900" algn="l">
@@ -22150,23 +22516,7 @@
                 <a:ea typeface="Heiti TC Light"/>
                 <a:cs typeface="Helvetica"/>
               </a:rPr>
-              <a:t>Continue steps 5-6 until no observations are re-assigned </a:t>
-            </a:r>
-            <a:r>
-              <a:rPr lang="en-US" sz="1800" dirty="0" smtClean="0">
-                <a:latin typeface="Helvetica"/>
-                <a:ea typeface="Heiti TC Light"/>
-                <a:cs typeface="Helvetica"/>
-              </a:rPr>
-              <a:t>after new centroids are calculated OR </a:t>
-            </a:r>
-            <a:r>
-              <a:rPr lang="en-US" sz="1800" dirty="0" smtClean="0">
-                <a:latin typeface="Helvetica"/>
-                <a:ea typeface="Heiti TC Light"/>
-                <a:cs typeface="Helvetica"/>
-              </a:rPr>
-              <a:t>the reassignment no longer decreases mean cluster loss (as defined by average Euclidian distance of all points to their centroids). </a:t>
+              <a:t>Continue steps 5-6 until no observations are re-assigned after new centroids are calculated OR the reassignment no longer decreases mean cluster loss (as defined by average Euclidian distance of all points to their centroids). </a:t>
             </a:r>
             <a:endParaRPr lang="en-US" sz="1800" dirty="0">
               <a:latin typeface="Helvetica"/>
@@ -22659,7 +23009,6 @@
               <a:rPr lang="en-US" dirty="0" smtClean="0"/>
               <a:t>K-Means</a:t>
             </a:r>
-            <a:endParaRPr lang="en-US" dirty="0" smtClean="0"/>
           </a:p>
         </p:txBody>
       </p:sp>
@@ -23048,7 +23397,6 @@
               <a:rPr lang="en-US" dirty="0" smtClean="0"/>
               <a:t>K-means pros and cons</a:t>
             </a:r>
-            <a:endParaRPr lang="en-US" dirty="0" smtClean="0"/>
           </a:p>
         </p:txBody>
       </p:sp>
@@ -23678,7 +24026,6 @@
               <a:rPr lang="en-US" dirty="0" smtClean="0"/>
               <a:t>K-means Extensions</a:t>
             </a:r>
-            <a:endParaRPr lang="en-US" dirty="0" smtClean="0"/>
           </a:p>
         </p:txBody>
       </p:sp>
@@ -23750,7 +24097,7 @@
         <p:spPr>
           <a:xfrm>
             <a:off x="414337" y="1028700"/>
-            <a:ext cx="8458200" cy="3877985"/>
+            <a:ext cx="8458200" cy="3600986"/>
           </a:xfrm>
           <a:prstGeom prst="rect">
             <a:avLst/>
@@ -23794,7 +24141,21 @@
                 <a:latin typeface=""/>
                 <a:cs typeface=""/>
               </a:rPr>
-              <a:t>One simple extension of K-means that garners better results is to repeatedly run the algorithm with different initialization sets, and average the results.</a:t>
+              <a:t>One simple extension of K-means </a:t>
+            </a:r>
+            <a:r>
+              <a:rPr lang="en-US" sz="1800" dirty="0" smtClean="0">
+                <a:latin typeface=""/>
+                <a:cs typeface=""/>
+              </a:rPr>
+              <a:t>is </a:t>
+            </a:r>
+            <a:r>
+              <a:rPr lang="en-US" sz="1800" dirty="0">
+                <a:latin typeface=""/>
+                <a:cs typeface=""/>
+              </a:rPr>
+              <a:t>to repeatedly run the algorithm with different initialization sets, and average the results.</a:t>
             </a:r>
           </a:p>
           <a:p>
@@ -23831,8 +24192,19 @@
                 <a:latin typeface=""/>
                 <a:cs typeface=""/>
               </a:rPr>
-              <a:t> assigns centroids to actual observations in your dataset;</a:t>
-            </a:r>
+              <a:t> assigns centroids to actual observations in your </a:t>
+            </a:r>
+            <a:r>
+              <a:rPr lang="en-US" sz="1800" dirty="0" smtClean="0">
+                <a:latin typeface=""/>
+                <a:cs typeface=""/>
+              </a:rPr>
+              <a:t>dataset.</a:t>
+            </a:r>
+            <a:endParaRPr lang="en-US" sz="1800" dirty="0" smtClean="0">
+              <a:latin typeface=""/>
+              <a:cs typeface=""/>
+            </a:endParaRPr>
           </a:p>
           <a:p>
             <a:pPr marL="671513" lvl="1" indent="-342900" algn="l">
@@ -23854,14 +24226,7 @@
                 <a:latin typeface=""/>
                 <a:cs typeface=""/>
               </a:rPr>
-              <a:t>Expectation-Maximization (EM) clustering derives clusters </a:t>
-            </a:r>
-            <a:r>
-              <a:rPr lang="en-US" sz="1800" dirty="0" smtClean="0">
-                <a:latin typeface=""/>
-                <a:cs typeface=""/>
-              </a:rPr>
-              <a:t>by calculating confidence that the found centroids are the ‘true’ centroids for the dataset.</a:t>
+              <a:t>Expectation-Maximization (EM) clustering derives clusters by calculating confidence that the found centroids are the ‘true’ centroids for the dataset.</a:t>
             </a:r>
           </a:p>
           <a:p>
@@ -23900,10 +24265,6 @@
               </a:rPr>
               <a:t>points in the cluster, so is robust to non-linear cluster combinations. </a:t>
             </a:r>
-            <a:endParaRPr lang="en-US" sz="1800" dirty="0" smtClean="0">
-              <a:latin typeface=""/>
-              <a:cs typeface=""/>
-            </a:endParaRPr>
           </a:p>
         </p:txBody>
       </p:sp>

--- a/slides/11_dimensionality_reduction_and_clustering.pptx
+++ b/slides/11_dimensionality_reduction_and_clustering.pptx
@@ -262,7 +262,7 @@
           <a:p>
             <a:fld id="{DB92F479-4B50-F243-9713-1B12EC2B4BDB}" type="datetimeFigureOut">
               <a:rPr lang="en-US" smtClean="0"/>
-              <a:t>2/24/15</a:t>
+              <a:t>2/25/15</a:t>
             </a:fld>
             <a:endParaRPr lang="en-US"/>
           </a:p>
@@ -11962,28 +11962,7 @@
                 <a:latin typeface=""/>
                 <a:cs typeface=""/>
               </a:rPr>
-              <a:t>While k-means clustering tries to determine a given set of discrete clusters, hierarchical clustering attempts to </a:t>
-            </a:r>
-            <a:r>
-              <a:rPr lang="en-US" sz="1800" dirty="0" smtClean="0">
-                <a:latin typeface=""/>
-                <a:cs typeface=""/>
-              </a:rPr>
-              <a:t>determine </a:t>
-            </a:r>
-            <a:r>
-              <a:rPr lang="en-US" sz="1800" dirty="0" smtClean="0">
-                <a:latin typeface=""/>
-                <a:cs typeface=""/>
-              </a:rPr>
-              <a:t>the </a:t>
-            </a:r>
-            <a:r>
-              <a:rPr lang="en-US" sz="1800" dirty="0" smtClean="0">
-                <a:latin typeface=""/>
-                <a:cs typeface=""/>
-              </a:rPr>
-              <a:t>relationship between each observation and cluster.</a:t>
+              <a:t>While k-means clustering tries to determine a given set of discrete clusters, hierarchical clustering attempts to determine the relationship between each observation and cluster.</a:t>
             </a:r>
           </a:p>
           <a:p>
@@ -12310,26 +12289,8 @@
                 <a:latin typeface=""/>
                 <a:cs typeface=""/>
               </a:rPr>
-              <a:t>Hierarchical </a:t>
-            </a:r>
-            <a:r>
-              <a:rPr lang="en-US" sz="1800" dirty="0" smtClean="0">
-                <a:latin typeface=""/>
-                <a:cs typeface=""/>
-              </a:rPr>
-              <a:t>clustering typically shows you a more accurate representation of similarity between your </a:t>
-            </a:r>
-            <a:r>
-              <a:rPr lang="en-US" sz="1800" dirty="0" smtClean="0">
-                <a:latin typeface=""/>
-                <a:cs typeface=""/>
-              </a:rPr>
-              <a:t>data than most other techniques.</a:t>
-            </a:r>
-            <a:endParaRPr lang="en-US" sz="1800" dirty="0" smtClean="0">
-              <a:latin typeface=""/>
-              <a:cs typeface=""/>
-            </a:endParaRPr>
+              <a:t>Hierarchical clustering typically shows you a more accurate representation of similarity between your data than most other techniques.</a:t>
+            </a:r>
           </a:p>
           <a:p>
             <a:pPr marL="342900" indent="-342900" algn="l">
@@ -12716,7 +12677,7 @@
         <p:spPr>
           <a:xfrm>
             <a:off x="414337" y="1028700"/>
-            <a:ext cx="8534400" cy="2585323"/>
+            <a:ext cx="8534400" cy="2862323"/>
           </a:xfrm>
           <a:prstGeom prst="rect">
             <a:avLst/>
@@ -12763,43 +12724,21 @@
                 <a:latin typeface=""/>
                 <a:cs typeface=""/>
               </a:rPr>
-              <a:t>Perform K-means clustering and plot the </a:t>
-            </a:r>
+              <a:t>Perform K-means clustering and plot the results.</a:t>
+            </a:r>
+          </a:p>
+          <a:p>
+            <a:pPr marL="671513" lvl="1" indent="-342900" algn="l">
+              <a:buFont typeface="+mj-lt"/>
+              <a:buAutoNum type="arabicPeriod"/>
+            </a:pPr>
             <a:r>
               <a:rPr lang="en-US" sz="1800" dirty="0" smtClean="0">
                 <a:latin typeface=""/>
                 <a:cs typeface=""/>
               </a:rPr>
-              <a:t>results.</a:t>
-            </a:r>
-            <a:endParaRPr lang="en-US" sz="1800" dirty="0" smtClean="0">
-              <a:latin typeface=""/>
-              <a:cs typeface=""/>
-            </a:endParaRPr>
-          </a:p>
-          <a:p>
-            <a:pPr marL="671513" lvl="1" indent="-342900" algn="l">
-              <a:buFont typeface="+mj-lt"/>
-              <a:buAutoNum type="arabicPeriod"/>
-            </a:pPr>
-            <a:r>
-              <a:rPr lang="en-US" sz="1800" dirty="0" smtClean="0">
-                <a:latin typeface=""/>
-                <a:cs typeface=""/>
-              </a:rPr>
-              <a:t>Perform DBSCAN clustering and plot the </a:t>
-            </a:r>
-            <a:r>
-              <a:rPr lang="en-US" sz="1800" dirty="0" smtClean="0">
-                <a:latin typeface=""/>
-                <a:cs typeface=""/>
-              </a:rPr>
-              <a:t>results.</a:t>
-            </a:r>
-            <a:endParaRPr lang="en-US" sz="1800" dirty="0" smtClean="0">
-              <a:latin typeface=""/>
-              <a:cs typeface=""/>
-            </a:endParaRPr>
+              <a:t>Perform DBSCAN clustering and plot the results.</a:t>
+            </a:r>
           </a:p>
           <a:p>
             <a:pPr marL="671513" lvl="1" indent="-342900" algn="l">
@@ -12824,8 +12763,39 @@
                 <a:latin typeface=""/>
                 <a:cs typeface=""/>
               </a:rPr>
-              <a:t>Create a cutoff in the dendrogram to create a discrete number of clusters.</a:t>
-            </a:r>
+              <a:t>Create a cutoff in the dendrogram to create a discrete number of clusters</a:t>
+            </a:r>
+            <a:r>
+              <a:rPr lang="en-US" sz="1800" dirty="0" smtClean="0">
+                <a:latin typeface=""/>
+                <a:cs typeface=""/>
+              </a:rPr>
+              <a:t>.</a:t>
+            </a:r>
+          </a:p>
+          <a:p>
+            <a:pPr marL="671513" lvl="1" indent="-342900" algn="l">
+              <a:buFont typeface="+mj-lt"/>
+              <a:buAutoNum type="arabicPeriod"/>
+            </a:pPr>
+            <a:r>
+              <a:rPr lang="en-US" sz="1800" dirty="0" smtClean="0">
+                <a:latin typeface=""/>
+                <a:cs typeface=""/>
+              </a:rPr>
+              <a:t>Plot the results </a:t>
+            </a:r>
+            <a:r>
+              <a:rPr lang="en-US" sz="1800" smtClean="0">
+                <a:latin typeface=""/>
+                <a:cs typeface=""/>
+              </a:rPr>
+              <a:t>and compare to K-means and DBSCAN.</a:t>
+            </a:r>
+            <a:endParaRPr lang="en-US" sz="1800" dirty="0" smtClean="0">
+              <a:latin typeface=""/>
+              <a:cs typeface=""/>
+            </a:endParaRPr>
           </a:p>
           <a:p>
             <a:pPr marL="342900" indent="-342900" algn="l">
@@ -13162,6 +13132,55 @@
                       </p:childTnLst>
                     </p:cTn>
                   </p:par>
+                  <p:par>
+                    <p:cTn id="27" fill="hold">
+                      <p:stCondLst>
+                        <p:cond delay="indefinite"/>
+                      </p:stCondLst>
+                      <p:childTnLst>
+                        <p:par>
+                          <p:cTn id="28" fill="hold">
+                            <p:stCondLst>
+                              <p:cond delay="0"/>
+                            </p:stCondLst>
+                            <p:childTnLst>
+                              <p:par>
+                                <p:cTn id="29" presetID="1" presetClass="entr" presetSubtype="0" fill="hold" nodeType="clickEffect">
+                                  <p:stCondLst>
+                                    <p:cond delay="0"/>
+                                  </p:stCondLst>
+                                  <p:childTnLst>
+                                    <p:set>
+                                      <p:cBhvr>
+                                        <p:cTn id="30" dur="1" fill="hold">
+                                          <p:stCondLst>
+                                            <p:cond delay="0"/>
+                                          </p:stCondLst>
+                                        </p:cTn>
+                                        <p:tgtEl>
+                                          <p:spTgt spid="5">
+                                            <p:txEl>
+                                              <p:pRg st="6" end="6"/>
+                                            </p:txEl>
+                                          </p:spTgt>
+                                        </p:tgtEl>
+                                        <p:attrNameLst>
+                                          <p:attrName>style.visibility</p:attrName>
+                                        </p:attrNameLst>
+                                      </p:cBhvr>
+                                      <p:to>
+                                        <p:strVal val="visible"/>
+                                      </p:to>
+                                    </p:set>
+                                  </p:childTnLst>
+                                </p:cTn>
+                              </p:par>
+                            </p:childTnLst>
+                          </p:cTn>
+                        </p:par>
+                      </p:childTnLst>
+                    </p:cTn>
+                  </p:par>
                 </p:childTnLst>
               </p:cTn>
               <p:prevCondLst>
@@ -13229,15 +13248,7 @@
             </a:pPr>
             <a:r>
               <a:rPr lang="en-US" sz="6600" dirty="0" smtClean="0"/>
-              <a:t>II. Principal </a:t>
-            </a:r>
-            <a:r>
-              <a:rPr lang="en-US" sz="6600" dirty="0" smtClean="0"/>
-              <a:t>component </a:t>
-            </a:r>
-            <a:r>
-              <a:rPr lang="en-US" sz="6600" dirty="0" smtClean="0"/>
-              <a:t>analysis</a:t>
+              <a:t>II. Principal component analysis</a:t>
             </a:r>
             <a:endParaRPr lang="en-US" sz="6600" dirty="0"/>
           </a:p>
@@ -13475,19 +13486,21 @@
                 <a:latin typeface=""/>
                 <a:cs typeface=""/>
               </a:rPr>
-              <a:t>Current implementations do not explore all possible feature </a:t>
-            </a:r>
+              <a:t>Current implementations do not explore all possible feature interactions.</a:t>
+            </a:r>
+          </a:p>
+          <a:p>
+            <a:pPr marL="671513" lvl="1" indent="-342900" algn="l">
+              <a:buFont typeface="Arial"/>
+              <a:buChar char="•"/>
+            </a:pPr>
             <a:r>
               <a:rPr lang="en-US" sz="1800" dirty="0" smtClean="0">
                 <a:latin typeface=""/>
                 <a:cs typeface=""/>
               </a:rPr>
-              <a:t>interactions.</a:t>
-            </a:r>
-            <a:endParaRPr lang="en-US" sz="1800" dirty="0" smtClean="0">
-              <a:latin typeface=""/>
-              <a:cs typeface=""/>
-            </a:endParaRPr>
+              <a:t>Elimination is done in a rank-ordered way, which can be misleading as rank and/or significance of a feature can change as you eliminate other features.</a:t>
+            </a:r>
           </a:p>
           <a:p>
             <a:pPr marL="671513" lvl="1" indent="-342900" algn="l">
@@ -13499,43 +13512,8 @@
                 <a:latin typeface=""/>
                 <a:cs typeface=""/>
               </a:rPr>
-              <a:t>Elimination is done in a rank-ordered way, which can be misleading as rank and/or significance of a feature can change as you eliminate other </a:t>
-            </a:r>
-            <a:r>
-              <a:rPr lang="en-US" sz="1800" dirty="0" smtClean="0">
-                <a:latin typeface=""/>
-                <a:cs typeface=""/>
-              </a:rPr>
-              <a:t>features.</a:t>
-            </a:r>
-            <a:endParaRPr lang="en-US" sz="1800" dirty="0" smtClean="0">
-              <a:latin typeface=""/>
-              <a:cs typeface=""/>
-            </a:endParaRPr>
-          </a:p>
-          <a:p>
-            <a:pPr marL="671513" lvl="1" indent="-342900" algn="l">
-              <a:buFont typeface="Arial"/>
-              <a:buChar char="•"/>
-            </a:pPr>
-            <a:r>
-              <a:rPr lang="en-US" sz="1800" dirty="0" smtClean="0">
-                <a:latin typeface=""/>
-                <a:cs typeface=""/>
-              </a:rPr>
-              <a:t>Implementation of RFE is very computationally </a:t>
-            </a:r>
-            <a:r>
-              <a:rPr lang="en-US" sz="1800" dirty="0" smtClean="0">
-                <a:latin typeface=""/>
-                <a:cs typeface=""/>
-              </a:rPr>
-              <a:t>intensive.</a:t>
-            </a:r>
-            <a:endParaRPr lang="en-US" sz="1800" dirty="0" smtClean="0">
-              <a:latin typeface=""/>
-              <a:cs typeface=""/>
-            </a:endParaRPr>
+              <a:t>Implementation of RFE is very computationally intensive.</a:t>
+            </a:r>
           </a:p>
           <a:p>
             <a:pPr marL="671513" lvl="1" indent="-342900" algn="l">
@@ -14412,15 +14390,7 @@
             </a:pPr>
             <a:r>
               <a:rPr lang="en-US" dirty="0" smtClean="0"/>
-              <a:t>PRINCIPAL </a:t>
-            </a:r>
-            <a:r>
-              <a:rPr lang="en-US" dirty="0" smtClean="0"/>
-              <a:t>COMPONENT </a:t>
-            </a:r>
-            <a:r>
-              <a:rPr lang="en-US" dirty="0" smtClean="0"/>
-              <a:t>ANALYSIS</a:t>
+              <a:t>PRINCIPAL COMPONENT ANALYSIS</a:t>
             </a:r>
           </a:p>
         </p:txBody>
@@ -14514,58 +14484,30 @@
                 <a:latin typeface=""/>
                 <a:cs typeface=""/>
               </a:rPr>
-              <a:t>To get around these issues, data scientists often use principal component analysis to ‘decompose’ the data into </a:t>
-            </a:r>
+              <a:t>To get around these issues, data scientists often use principal component analysis to ‘decompose’ the data into n (typically 3 or fewer) dimensions. </a:t>
+            </a:r>
+          </a:p>
+          <a:p>
+            <a:pPr marL="342900" indent="-342900" algn="l">
+              <a:buFont typeface="Arial"/>
+              <a:buChar char="•"/>
+            </a:pPr>
+            <a:endParaRPr lang="en-US" sz="1500" dirty="0">
+              <a:latin typeface=""/>
+              <a:cs typeface=""/>
+            </a:endParaRPr>
+          </a:p>
+          <a:p>
+            <a:pPr marL="342900" indent="-342900" algn="l">
+              <a:buFont typeface="Arial"/>
+              <a:buChar char="•"/>
+            </a:pPr>
             <a:r>
               <a:rPr lang="en-US" sz="1800" dirty="0" smtClean="0">
                 <a:latin typeface=""/>
                 <a:cs typeface=""/>
               </a:rPr>
-              <a:t>n </a:t>
-            </a:r>
-            <a:r>
-              <a:rPr lang="en-US" sz="1800" dirty="0" smtClean="0">
-                <a:latin typeface=""/>
-                <a:cs typeface=""/>
-              </a:rPr>
-              <a:t>(typically 3 or fewer) dimensions. </a:t>
-            </a:r>
-          </a:p>
-          <a:p>
-            <a:pPr marL="342900" indent="-342900" algn="l">
-              <a:buFont typeface="Arial"/>
-              <a:buChar char="•"/>
-            </a:pPr>
-            <a:endParaRPr lang="en-US" sz="1500" dirty="0">
-              <a:latin typeface=""/>
-              <a:cs typeface=""/>
-            </a:endParaRPr>
-          </a:p>
-          <a:p>
-            <a:pPr marL="342900" indent="-342900" algn="l">
-              <a:buFont typeface="Arial"/>
-              <a:buChar char="•"/>
-            </a:pPr>
-            <a:r>
-              <a:rPr lang="en-US" sz="1800" dirty="0" smtClean="0">
-                <a:latin typeface=""/>
-                <a:cs typeface=""/>
-              </a:rPr>
-              <a:t>However, the simpler methods you will learn today (such as </a:t>
-            </a:r>
-            <a:r>
-              <a:rPr lang="en-US" sz="1800" dirty="0" smtClean="0">
-                <a:latin typeface=""/>
-                <a:cs typeface=""/>
-              </a:rPr>
-              <a:t>PCA) </a:t>
-            </a:r>
-            <a:r>
-              <a:rPr lang="en-US" sz="1800" dirty="0" smtClean="0">
-                <a:latin typeface=""/>
-                <a:cs typeface=""/>
-              </a:rPr>
-              <a:t>will only decompose your data properly if they have a </a:t>
+              <a:t>However, the simpler methods you will learn today (such as PCA) will only decompose your data properly if they have a </a:t>
             </a:r>
             <a:r>
               <a:rPr lang="en-US" sz="1800" b="1" dirty="0" smtClean="0">
@@ -14616,21 +14558,7 @@
                 <a:latin typeface=""/>
                 <a:cs typeface=""/>
               </a:rPr>
-              <a:t>as it no longer has a direct connection to any one feature. As such, you will have no way of identifying a problem with an underlying feature by looking at the </a:t>
-            </a:r>
-            <a:r>
-              <a:rPr lang="en-US" sz="1800" dirty="0" smtClean="0">
-                <a:latin typeface=""/>
-                <a:cs typeface=""/>
-              </a:rPr>
-              <a:t>PCA </a:t>
-            </a:r>
-            <a:r>
-              <a:rPr lang="en-US" sz="1800" dirty="0" smtClean="0">
-                <a:latin typeface=""/>
-                <a:cs typeface=""/>
-              </a:rPr>
-              <a:t>output. </a:t>
+              <a:t>as it no longer has a direct connection to any one feature. As such, you will have no way of identifying a problem with an underlying feature by looking at the PCA output. </a:t>
             </a:r>
           </a:p>
           <a:p>
@@ -14943,15 +14871,7 @@
             </a:pPr>
             <a:r>
               <a:rPr lang="en-US" dirty="0" smtClean="0"/>
-              <a:t>Principal </a:t>
-            </a:r>
-            <a:r>
-              <a:rPr lang="en-US" dirty="0" smtClean="0"/>
-              <a:t>component </a:t>
-            </a:r>
-            <a:r>
-              <a:rPr lang="en-US" dirty="0" smtClean="0"/>
-              <a:t>analysis</a:t>
+              <a:t>Principal component analysis</a:t>
             </a:r>
           </a:p>
         </p:txBody>
@@ -22390,19 +22310,8 @@
                 <a:latin typeface="Helvetica"/>
                 <a:cs typeface="Helvetica"/>
               </a:rPr>
-              <a:t>The most popular implementation of K-means (called Lloyd’s algorithm) uses the following </a:t>
-            </a:r>
-            <a:r>
-              <a:rPr lang="en-US" sz="1800" dirty="0" smtClean="0">
-                <a:latin typeface="Helvetica"/>
-                <a:cs typeface="Helvetica"/>
-              </a:rPr>
-              <a:t>process to ‘lock in’ on the data’s proper centroids:</a:t>
-            </a:r>
-            <a:endParaRPr lang="en-US" sz="1800" dirty="0" smtClean="0">
-              <a:latin typeface="Helvetica"/>
-              <a:cs typeface="Helvetica"/>
-            </a:endParaRPr>
+              <a:t>The most popular implementation of K-means (called Lloyd’s algorithm) uses the following process to ‘lock in’ on the data’s proper centroids:</a:t>
+            </a:r>
           </a:p>
           <a:p>
             <a:pPr marL="342900" indent="-342900" algn="l">
@@ -22491,19 +22400,8 @@
                 <a:latin typeface="Helvetica"/>
                 <a:cs typeface="Helvetica"/>
               </a:rPr>
-              <a:t>Reassign each observation to the cluster corresponding to its nearest </a:t>
-            </a:r>
-            <a:r>
-              <a:rPr lang="en-US" sz="1800" dirty="0" smtClean="0">
-                <a:latin typeface="Helvetica"/>
-                <a:cs typeface="Helvetica"/>
-              </a:rPr>
-              <a:t>centroid.</a:t>
-            </a:r>
-            <a:endParaRPr lang="en-US" sz="1800" dirty="0" smtClean="0">
-              <a:latin typeface="Helvetica"/>
-              <a:cs typeface="Helvetica"/>
-            </a:endParaRPr>
+              <a:t>Reassign each observation to the cluster corresponding to its nearest centroid.</a:t>
+            </a:r>
           </a:p>
           <a:p>
             <a:pPr marL="671513" lvl="1" indent="-342900" algn="l">
@@ -24192,19 +24090,8 @@
                 <a:latin typeface=""/>
                 <a:cs typeface=""/>
               </a:rPr>
-              <a:t> assigns centroids to actual observations in your </a:t>
-            </a:r>
-            <a:r>
-              <a:rPr lang="en-US" sz="1800" dirty="0" smtClean="0">
-                <a:latin typeface=""/>
-                <a:cs typeface=""/>
-              </a:rPr>
-              <a:t>dataset.</a:t>
-            </a:r>
-            <a:endParaRPr lang="en-US" sz="1800" dirty="0" smtClean="0">
-              <a:latin typeface=""/>
-              <a:cs typeface=""/>
-            </a:endParaRPr>
+              <a:t> assigns centroids to actual observations in your dataset.</a:t>
+            </a:r>
           </a:p>
           <a:p>
             <a:pPr marL="671513" lvl="1" indent="-342900" algn="l">

--- a/slides/11_dimensionality_reduction_and_clustering.pptx
+++ b/slides/11_dimensionality_reduction_and_clustering.pptx
@@ -12312,7 +12312,21 @@
                 <a:latin typeface=""/>
                 <a:cs typeface=""/>
               </a:rPr>
-              <a:t>However, as  you must chose an arbitrary cutoff point to split your data, you may get highly unbalanced clusters or markedly different numbers of clusters as the data changes through time. </a:t>
+              <a:t>However, as </a:t>
+            </a:r>
+            <a:r>
+              <a:rPr lang="en-US" sz="1800" dirty="0" smtClean="0">
+                <a:latin typeface=""/>
+                <a:cs typeface=""/>
+              </a:rPr>
+              <a:t>you </a:t>
+            </a:r>
+            <a:r>
+              <a:rPr lang="en-US" sz="1800" dirty="0" smtClean="0">
+                <a:latin typeface=""/>
+                <a:cs typeface=""/>
+              </a:rPr>
+              <a:t>must chose an arbitrary cutoff point to split your data, you may get highly unbalanced clusters or markedly different numbers of clusters as the data changes through time. </a:t>
             </a:r>
           </a:p>
           <a:p>
@@ -12783,14 +12797,7 @@
                 <a:latin typeface=""/>
                 <a:cs typeface=""/>
               </a:rPr>
-              <a:t>Plot the results </a:t>
-            </a:r>
-            <a:r>
-              <a:rPr lang="en-US" sz="1800" smtClean="0">
-                <a:latin typeface=""/>
-                <a:cs typeface=""/>
-              </a:rPr>
-              <a:t>and compare to K-means and DBSCAN.</a:t>
+              <a:t>Plot the results and compare to K-means and DBSCAN.</a:t>
             </a:r>
             <a:endParaRPr lang="en-US" sz="1800" dirty="0" smtClean="0">
               <a:latin typeface=""/>
@@ -13356,7 +13363,15 @@
             </a:pPr>
             <a:r>
               <a:rPr lang="en-US" dirty="0" smtClean="0"/>
-              <a:t>PRINCIPAL COMPONENTS ANALYSIS</a:t>
+              <a:t>PRINCIPAL </a:t>
+            </a:r>
+            <a:r>
+              <a:rPr lang="en-US" dirty="0" smtClean="0"/>
+              <a:t>COMPONENT </a:t>
+            </a:r>
+            <a:r>
+              <a:rPr lang="en-US" dirty="0" smtClean="0"/>
+              <a:t>ANALYSIS</a:t>
             </a:r>
           </a:p>
         </p:txBody>
@@ -13450,7 +13465,14 @@
                 <a:latin typeface=""/>
                 <a:cs typeface=""/>
               </a:rPr>
-              <a:t> Recall that in previous classes, you learned feature selection, i.e. a recursive process to determine the bag of variables that allow your model to optimize predictive accuracy.</a:t>
+              <a:t>Recall </a:t>
+            </a:r>
+            <a:r>
+              <a:rPr lang="en-US" sz="1800" dirty="0" smtClean="0">
+                <a:latin typeface=""/>
+                <a:cs typeface=""/>
+              </a:rPr>
+              <a:t>that in previous classes, you learned feature selection, i.e. a recursive process to determine the bag of variables that allow your model to optimize predictive accuracy.</a:t>
             </a:r>
           </a:p>
           <a:p>
@@ -13923,7 +13945,15 @@
             </a:pPr>
             <a:r>
               <a:rPr lang="en-US" dirty="0" smtClean="0"/>
-              <a:t>PRINCIPAL COMPONENTS ANALYSIS</a:t>
+              <a:t>PRINCIPAL </a:t>
+            </a:r>
+            <a:r>
+              <a:rPr lang="en-US" dirty="0" smtClean="0"/>
+              <a:t>COMPONENT </a:t>
+            </a:r>
+            <a:r>
+              <a:rPr lang="en-US" dirty="0" smtClean="0"/>
+              <a:t>ANALYSIS</a:t>
             </a:r>
           </a:p>
         </p:txBody>
@@ -14484,7 +14514,21 @@
                 <a:latin typeface=""/>
                 <a:cs typeface=""/>
               </a:rPr>
-              <a:t>To get around these issues, data scientists often use principal component analysis to ‘decompose’ the data into n (typically 3 or fewer) dimensions. </a:t>
+              <a:t>To get around these issues, data scientists often use principal component analysis to ‘decompose’ the data into </a:t>
+            </a:r>
+            <a:r>
+              <a:rPr lang="en-US" sz="1800" dirty="0" smtClean="0">
+                <a:latin typeface=""/>
+                <a:cs typeface=""/>
+              </a:rPr>
+              <a:t>n </a:t>
+            </a:r>
+            <a:r>
+              <a:rPr lang="en-US" sz="1800" dirty="0" smtClean="0">
+                <a:latin typeface=""/>
+                <a:cs typeface=""/>
+              </a:rPr>
+              <a:t>dimensions. </a:t>
             </a:r>
           </a:p>
           <a:p>
@@ -18757,7 +18801,21 @@
                 <a:latin typeface=""/>
                 <a:cs typeface=""/>
               </a:rPr>
-              <a:t>Support Vector Machines (SVMs) as a set of classifiers that use similar techniques to PCA and other matrix-based dimensionality reduction techniques. </a:t>
+              <a:t>Support Vector Machines (SVMs) </a:t>
+            </a:r>
+            <a:r>
+              <a:rPr lang="en-US" sz="1800" dirty="0" smtClean="0">
+                <a:latin typeface=""/>
+                <a:cs typeface=""/>
+              </a:rPr>
+              <a:t>are </a:t>
+            </a:r>
+            <a:r>
+              <a:rPr lang="en-US" sz="1800" dirty="0" smtClean="0">
+                <a:latin typeface=""/>
+                <a:cs typeface=""/>
+              </a:rPr>
+              <a:t>a set of classifiers that use similar techniques to PCA and other matrix-based dimensionality reduction techniques. </a:t>
             </a:r>
           </a:p>
           <a:p>
@@ -21867,14 +21925,21 @@
                 <a:latin typeface=""/>
                 <a:cs typeface=""/>
               </a:rPr>
-              <a:t>k</a:t>
+              <a:t>K</a:t>
             </a:r>
             <a:r>
               <a:rPr lang="en-US" sz="1800" b="1" dirty="0" smtClean="0">
                 <a:latin typeface=""/>
                 <a:cs typeface=""/>
               </a:rPr>
-              <a:t>-Means </a:t>
+              <a:t>-</a:t>
+            </a:r>
+            <a:r>
+              <a:rPr lang="en-US" sz="1800" b="1" dirty="0" smtClean="0">
+                <a:latin typeface=""/>
+                <a:cs typeface=""/>
+              </a:rPr>
+              <a:t>Means </a:t>
             </a:r>
             <a:r>
               <a:rPr lang="en-US" sz="1800" dirty="0" smtClean="0">
